--- a/20140513-creating_your_own_dsl_with_yacc-part1.pptx
+++ b/20140513-creating_your_own_dsl_with_yacc-part1.pptx
@@ -207,7 +207,7 @@
           <a:p>
             <a:fld id="{740616EA-7DD0-4941-A75A-3667382BAFA7}" type="datetimeFigureOut">
               <a:rPr lang="en-AU" smtClean="0"/>
-              <a:t>25/05/2014</a:t>
+              <a:t>6/06/2016</a:t>
             </a:fld>
             <a:endParaRPr lang="en-AU"/>
           </a:p>
@@ -373,7 +373,7 @@
           <a:p>
             <a:fld id="{587278A0-4A02-4D4B-A8AB-1E1752F8063F}" type="datetimeFigureOut">
               <a:rPr lang="en-AU" smtClean="0"/>
-              <a:t>25/05/2014</a:t>
+              <a:t>6/06/2016</a:t>
             </a:fld>
             <a:endParaRPr lang="en-AU"/>
           </a:p>
@@ -1453,7 +1453,7 @@
           <a:p>
             <a:fld id="{0EAB0777-4C60-462E-A92C-CDAFD498799C}" type="datetimeFigureOut">
               <a:rPr lang="en-US" smtClean="0"/>
-              <a:t>5/25/2014</a:t>
+              <a:t>6/6/2016</a:t>
             </a:fld>
             <a:endParaRPr lang="en-US"/>
           </a:p>
@@ -1622,7 +1622,7 @@
           <a:p>
             <a:fld id="{0EAB0777-4C60-462E-A92C-CDAFD498799C}" type="datetimeFigureOut">
               <a:rPr lang="en-US" smtClean="0"/>
-              <a:t>5/25/2014</a:t>
+              <a:t>6/6/2016</a:t>
             </a:fld>
             <a:endParaRPr lang="en-US"/>
           </a:p>
@@ -1868,7 +1868,7 @@
           <a:p>
             <a:fld id="{0EAB0777-4C60-462E-A92C-CDAFD498799C}" type="datetimeFigureOut">
               <a:rPr lang="en-US" smtClean="0"/>
-              <a:t>5/25/2014</a:t>
+              <a:t>6/6/2016</a:t>
             </a:fld>
             <a:endParaRPr lang="en-US"/>
           </a:p>
@@ -2136,7 +2136,7 @@
           <a:p>
             <a:fld id="{0EAB0777-4C60-462E-A92C-CDAFD498799C}" type="datetimeFigureOut">
               <a:rPr lang="en-US" smtClean="0"/>
-              <a:t>5/25/2014</a:t>
+              <a:t>6/6/2016</a:t>
             </a:fld>
             <a:endParaRPr lang="en-US"/>
           </a:p>
@@ -2518,7 +2518,7 @@
           <a:p>
             <a:fld id="{0EAB0777-4C60-462E-A92C-CDAFD498799C}" type="datetimeFigureOut">
               <a:rPr lang="en-US" smtClean="0"/>
-              <a:t>5/25/2014</a:t>
+              <a:t>6/6/2016</a:t>
             </a:fld>
             <a:endParaRPr lang="en-US"/>
           </a:p>
@@ -2672,7 +2672,7 @@
           <a:p>
             <a:fld id="{0EAB0777-4C60-462E-A92C-CDAFD498799C}" type="datetimeFigureOut">
               <a:rPr lang="en-US" smtClean="0"/>
-              <a:t>5/25/2014</a:t>
+              <a:t>6/6/2016</a:t>
             </a:fld>
             <a:endParaRPr lang="en-US"/>
           </a:p>
@@ -2766,7 +2766,7 @@
           <a:p>
             <a:fld id="{0EAB0777-4C60-462E-A92C-CDAFD498799C}" type="datetimeFigureOut">
               <a:rPr lang="en-US" smtClean="0"/>
-              <a:t>5/25/2014</a:t>
+              <a:t>6/6/2016</a:t>
             </a:fld>
             <a:endParaRPr lang="en-US"/>
           </a:p>
@@ -3031,7 +3031,7 @@
           <a:p>
             <a:fld id="{0EAB0777-4C60-462E-A92C-CDAFD498799C}" type="datetimeFigureOut">
               <a:rPr lang="en-US" smtClean="0"/>
-              <a:t>5/25/2014</a:t>
+              <a:t>6/6/2016</a:t>
             </a:fld>
             <a:endParaRPr lang="en-US"/>
           </a:p>
@@ -3514,7 +3514,7 @@
           <a:p>
             <a:fld id="{0EAB0777-4C60-462E-A92C-CDAFD498799C}" type="datetimeFigureOut">
               <a:rPr lang="en-US" smtClean="0"/>
-              <a:t>5/25/2014</a:t>
+              <a:t>6/6/2016</a:t>
             </a:fld>
             <a:endParaRPr lang="en-US"/>
           </a:p>
@@ -3990,7 +3990,7 @@
           <a:p>
             <a:fld id="{0EAB0777-4C60-462E-A92C-CDAFD498799C}" type="datetimeFigureOut">
               <a:rPr lang="en-US" smtClean="0"/>
-              <a:t>5/25/2014</a:t>
+              <a:t>6/6/2016</a:t>
             </a:fld>
             <a:endParaRPr lang="en-US"/>
           </a:p>
@@ -4169,7 +4169,7 @@
           <a:p>
             <a:fld id="{0EAB0777-4C60-462E-A92C-CDAFD498799C}" type="datetimeFigureOut">
               <a:rPr lang="en-US" smtClean="0"/>
-              <a:t>5/25/2014</a:t>
+              <a:t>6/6/2016</a:t>
             </a:fld>
             <a:endParaRPr lang="en-US"/>
           </a:p>
@@ -6812,7 +6812,7 @@
           <a:p>
             <a:fld id="{0EAB0777-4C60-462E-A92C-CDAFD498799C}" type="datetimeFigureOut">
               <a:rPr lang="en-US" smtClean="0"/>
-              <a:t>5/25/2014</a:t>
+              <a:t>6/6/2016</a:t>
             </a:fld>
             <a:endParaRPr lang="en-US"/>
           </a:p>
@@ -9634,12 +9634,16 @@
               <a:t>/ </a:t>
             </a:r>
             <a:r>
-              <a:rPr lang="en-AU" dirty="0" err="1"/>
+              <a:rPr lang="en-AU" dirty="0" err="1" smtClean="0"/>
               <a:t>LaTeX</a:t>
             </a:r>
             <a:r>
+              <a:rPr lang="en-AU" dirty="0" smtClean="0"/>
+              <a:t> </a:t>
+            </a:r>
+            <a:r>
               <a:rPr lang="en-AU" dirty="0"/>
-              <a:t> (document creation)</a:t>
+              <a:t>(document creation)</a:t>
             </a:r>
           </a:p>
           <a:p>
@@ -9659,13 +9663,10 @@
               <a:t>purpose languages (C, Python, Java </a:t>
             </a:r>
             <a:r>
-              <a:rPr lang="en-AU" dirty="0" err="1"/>
-              <a:t>etc</a:t>
-            </a:r>
-            <a:r>
-              <a:rPr lang="en-AU" dirty="0"/>
-              <a:t>)</a:t>
-            </a:r>
+              <a:rPr lang="en-AU" dirty="0" smtClean="0"/>
+              <a:t>etc.)</a:t>
+            </a:r>
+            <a:endParaRPr lang="en-AU" dirty="0"/>
           </a:p>
           <a:p>
             <a:pPr lvl="1"/>
@@ -9678,13 +9679,10 @@
               <a:t>formats (TIFF, XML, </a:t>
             </a:r>
             <a:r>
-              <a:rPr lang="en-AU" dirty="0" err="1"/>
-              <a:t>etc</a:t>
-            </a:r>
-            <a:r>
-              <a:rPr lang="en-AU" dirty="0"/>
-              <a:t>)</a:t>
-            </a:r>
+              <a:rPr lang="en-AU" dirty="0" smtClean="0"/>
+              <a:t>etc.)</a:t>
+            </a:r>
+            <a:endParaRPr lang="en-AU" dirty="0"/>
           </a:p>
         </p:txBody>
       </p:sp>
@@ -10239,8 +10237,8 @@
               <a:t>solutions are unwieldy, time-consuming, unpopular, unreliable </a:t>
             </a:r>
             <a:r>
-              <a:rPr lang="en-AU" dirty="0" err="1" smtClean="0"/>
-              <a:t>etc</a:t>
+              <a:rPr lang="en-AU" dirty="0" smtClean="0"/>
+              <a:t>etc.</a:t>
             </a:r>
             <a:endParaRPr lang="en-AU" dirty="0" smtClean="0"/>
           </a:p>
